--- a/Template_Presentation_Students (Harshinipriyaa).pptx
+++ b/Template_Presentation_Students (Harshinipriyaa).pptx
@@ -132,73 +132,6 @@
 </p:presentation>
 </file>
 
-<file path=ppt/changesInfos/changesInfo1.xml><?xml version="1.0" encoding="utf-8"?>
-<pc:chgInfo xmlns:a="http://schemas.openxmlformats.org/drawingml/2006/main" xmlns:r="http://schemas.openxmlformats.org/officeDocument/2006/relationships" xmlns:ac="http://schemas.microsoft.com/office/drawing/2013/main/command" xmlns:pc="http://schemas.microsoft.com/office/powerpoint/2013/main/command">
-  <pc:docChgLst>
-    <pc:chgData name="Harshinipriyaa P" userId="74a0c107615390dc" providerId="LiveId" clId="{306A14F3-3229-4E6C-952B-25E3F8DA0C88}"/>
-    <pc:docChg chg="undo custSel modSld">
-      <pc:chgData name="Harshinipriyaa P" userId="74a0c107615390dc" providerId="LiveId" clId="{306A14F3-3229-4E6C-952B-25E3F8DA0C88}" dt="2024-04-18T16:07:41.169" v="134" actId="255"/>
-      <pc:docMkLst>
-        <pc:docMk/>
-      </pc:docMkLst>
-      <pc:sldChg chg="modSp mod">
-        <pc:chgData name="Harshinipriyaa P" userId="74a0c107615390dc" providerId="LiveId" clId="{306A14F3-3229-4E6C-952B-25E3F8DA0C88}" dt="2024-04-18T16:07:41.169" v="134" actId="255"/>
-        <pc:sldMkLst>
-          <pc:docMk/>
-          <pc:sldMk cId="0" sldId="257"/>
-        </pc:sldMkLst>
-        <pc:spChg chg="mod">
-          <ac:chgData name="Harshinipriyaa P" userId="74a0c107615390dc" providerId="LiveId" clId="{306A14F3-3229-4E6C-952B-25E3F8DA0C88}" dt="2024-04-18T16:07:41.169" v="134" actId="255"/>
-          <ac:spMkLst>
-            <pc:docMk/>
-            <pc:sldMk cId="0" sldId="257"/>
-            <ac:spMk id="24" creationId="{F0EEAE41-08E9-4606-F1F3-8F8AB04653D0}"/>
-          </ac:spMkLst>
-        </pc:spChg>
-      </pc:sldChg>
-      <pc:sldChg chg="modSp mod">
-        <pc:chgData name="Harshinipriyaa P" userId="74a0c107615390dc" providerId="LiveId" clId="{306A14F3-3229-4E6C-952B-25E3F8DA0C88}" dt="2024-04-18T16:05:22.486" v="56" actId="20577"/>
-        <pc:sldMkLst>
-          <pc:docMk/>
-          <pc:sldMk cId="0" sldId="264"/>
-        </pc:sldMkLst>
-        <pc:spChg chg="mod">
-          <ac:chgData name="Harshinipriyaa P" userId="74a0c107615390dc" providerId="LiveId" clId="{306A14F3-3229-4E6C-952B-25E3F8DA0C88}" dt="2024-04-18T16:05:22.486" v="56" actId="20577"/>
-          <ac:spMkLst>
-            <pc:docMk/>
-            <pc:sldMk cId="0" sldId="264"/>
-            <ac:spMk id="10" creationId="{78FF4361-3022-A65D-A0BB-80E5F4964705}"/>
-          </ac:spMkLst>
-        </pc:spChg>
-      </pc:sldChg>
-      <pc:sldChg chg="modSp mod">
-        <pc:chgData name="Harshinipriyaa P" userId="74a0c107615390dc" providerId="LiveId" clId="{306A14F3-3229-4E6C-952B-25E3F8DA0C88}" dt="2024-04-18T16:06:12.862" v="60"/>
-        <pc:sldMkLst>
-          <pc:docMk/>
-          <pc:sldMk cId="0" sldId="265"/>
-        </pc:sldMkLst>
-        <pc:spChg chg="mod">
-          <ac:chgData name="Harshinipriyaa P" userId="74a0c107615390dc" providerId="LiveId" clId="{306A14F3-3229-4E6C-952B-25E3F8DA0C88}" dt="2024-04-18T16:06:12.862" v="60"/>
-          <ac:spMkLst>
-            <pc:docMk/>
-            <pc:sldMk cId="0" sldId="265"/>
-            <ac:spMk id="8" creationId="{00000000-0000-0000-0000-000000000000}"/>
-          </ac:spMkLst>
-        </pc:spChg>
-        <pc:spChg chg="mod">
-          <ac:chgData name="Harshinipriyaa P" userId="74a0c107615390dc" providerId="LiveId" clId="{306A14F3-3229-4E6C-952B-25E3F8DA0C88}" dt="2024-04-18T16:05:45.522" v="58" actId="1076"/>
-          <ac:spMkLst>
-            <pc:docMk/>
-            <pc:sldMk cId="0" sldId="265"/>
-            <ac:spMk id="10" creationId="{862A4471-15F1-6531-E78C-A122E43277E6}"/>
-          </ac:spMkLst>
-        </pc:spChg>
-      </pc:sldChg>
-    </pc:docChg>
-  </pc:docChgLst>
-</pc:chgInfo>
-</file>
-
 <file path=ppt/slideLayouts/slideLayout1.xml><?xml version="1.0" encoding="utf-8"?>
 <p:sldLayout xmlns:a="http://schemas.openxmlformats.org/drawingml/2006/main" xmlns:r="http://schemas.openxmlformats.org/officeDocument/2006/relationships" xmlns:p="http://schemas.openxmlformats.org/presentationml/2006/main" type="obj" preserve="1">
   <p:cSld name="Title Slide">
@@ -344,7 +277,7 @@
           <a:p>
             <a:fld id="{1D8BD707-D9CF-40AE-B4C6-C98DA3205C09}" type="datetimeFigureOut">
               <a:rPr lang="en-US"/>
-              <a:t>4/18/2024</a:t>
+              <a:t>5/11/2024</a:t>
             </a:fld>
             <a:endParaRPr lang="en-US"/>
           </a:p>
@@ -524,7 +457,7 @@
           <a:p>
             <a:fld id="{1D8BD707-D9CF-40AE-B4C6-C98DA3205C09}" type="datetimeFigureOut">
               <a:rPr lang="en-US"/>
-              <a:t>4/18/2024</a:t>
+              <a:t>5/11/2024</a:t>
             </a:fld>
             <a:endParaRPr lang="en-US"/>
           </a:p>
@@ -747,7 +680,7 @@
           <a:p>
             <a:fld id="{1D8BD707-D9CF-40AE-B4C6-C98DA3205C09}" type="datetimeFigureOut">
               <a:rPr lang="en-US"/>
-              <a:t>4/18/2024</a:t>
+              <a:t>5/11/2024</a:t>
             </a:fld>
             <a:endParaRPr lang="en-US"/>
           </a:p>
@@ -904,7 +837,7 @@
           <a:p>
             <a:fld id="{1D8BD707-D9CF-40AE-B4C6-C98DA3205C09}" type="datetimeFigureOut">
               <a:rPr lang="en-US"/>
-              <a:t>4/18/2024</a:t>
+              <a:t>5/11/2024</a:t>
             </a:fld>
             <a:endParaRPr lang="en-US"/>
           </a:p>
@@ -1032,7 +965,7 @@
           <a:p>
             <a:fld id="{1D8BD707-D9CF-40AE-B4C6-C98DA3205C09}" type="datetimeFigureOut">
               <a:rPr lang="en-US"/>
-              <a:t>4/18/2024</a:t>
+              <a:t>5/11/2024</a:t>
             </a:fld>
             <a:endParaRPr lang="en-US"/>
           </a:p>
@@ -1751,7 +1684,7 @@
           <a:p>
             <a:fld id="{1D8BD707-D9CF-40AE-B4C6-C98DA3205C09}" type="datetimeFigureOut">
               <a:rPr lang="en-US"/>
-              <a:t>4/18/2024</a:t>
+              <a:t>5/11/2024</a:t>
             </a:fld>
             <a:endParaRPr lang="en-US"/>
           </a:p>
@@ -3168,6 +3101,18 @@
           <a:p>
             <a:pPr algn="just"/>
             <a:r>
+              <a:rPr lang="en-US" sz="2400" dirty="0">
+                <a:solidFill>
+                  <a:srgbClr val="0D0D0D"/>
+                </a:solidFill>
+                <a:highlight>
+                  <a:srgbClr val="FFFFFF"/>
+                </a:highlight>
+                <a:latin typeface="Söhne"/>
+              </a:rPr>
+              <a:t>The proposed</a:t>
+            </a:r>
+            <a:r>
               <a:rPr lang="en-US" sz="2400" b="0" i="0" dirty="0">
                 <a:solidFill>
                   <a:srgbClr val="0D0D0D"/>
@@ -3178,7 +3123,32 @@
                 </a:highlight>
                 <a:latin typeface="Söhne"/>
               </a:rPr>
-              <a:t>Our analysis of the cancer dataset revealed significant correlations between health and demographic indicators and cancer incidence/mortality rates, enhanced by visualization techniques like histograms and pie charts. This deeper understanding informs targeted healthcare policies and interventions to combat cancer, contributing to advancing oncology knowledge and guiding strategies for improving public health outcomes.</a:t>
+              <a:t> analysis of the cancer dataset revealed significant correlations between health and demographic indicators and cancer incidence/mortality rates, enhanced by visualization techniques </a:t>
+            </a:r>
+            <a:r>
+              <a:rPr lang="en-US" sz="2400" dirty="0">
+                <a:solidFill>
+                  <a:srgbClr val="0D0D0D"/>
+                </a:solidFill>
+                <a:highlight>
+                  <a:srgbClr val="FFFFFF"/>
+                </a:highlight>
+                <a:latin typeface="Söhne"/>
+              </a:rPr>
+              <a:t>and also by various Neural Network modelling</a:t>
+            </a:r>
+            <a:r>
+              <a:rPr lang="en-US" sz="2400" b="0" i="0" dirty="0">
+                <a:solidFill>
+                  <a:srgbClr val="0D0D0D"/>
+                </a:solidFill>
+                <a:effectLst/>
+                <a:highlight>
+                  <a:srgbClr val="FFFFFF"/>
+                </a:highlight>
+                <a:latin typeface="Söhne"/>
+              </a:rPr>
+              <a:t>. This deeper understanding informs targeted healthcare policies and interventions to combat cancer, contributing to advancing oncology knowledge and guiding strategies for improving public health outcomes.</a:t>
             </a:r>
           </a:p>
         </p:txBody>
@@ -4268,7 +4238,7 @@
                 <a:latin typeface="Times New Roman" panose="02020603050405020304" pitchFamily="18" charset="0"/>
                 <a:cs typeface="Times New Roman" panose="02020603050405020304" pitchFamily="18" charset="0"/>
               </a:rPr>
-              <a:t>Analysis and Prediction on Cancer report dataset</a:t>
+              <a:t>Classification/Prediction tasks using RNN,CNN and ANN </a:t>
             </a:r>
             <a:endParaRPr lang="en-IN" sz="2800" dirty="0">
               <a:latin typeface="Times New Roman" panose="02020603050405020304" pitchFamily="18" charset="0"/>
@@ -6917,7 +6887,21 @@
                 <a:latin typeface="Times New Roman" panose="02020603050405020304" pitchFamily="18" charset="0"/>
                 <a:cs typeface="Times New Roman" panose="02020603050405020304" pitchFamily="18" charset="0"/>
               </a:rPr>
-              <a:t>This project analyzes health and demographic indicators across regions to uncover insights into cancer incidence and mortality rates. Through statistical analysis and visualization, correlations between socio-economic factors, healthcare accessibility, and cancer outcomes are identified. The goal is to deepen understanding of factors influencing cancer prevalence and mortality, informing healthcare policies and interventions. Ultimately, the project contributes to combating cancer and improving public health outcomes.</a:t>
+              <a:t>This project analyzes health and demographic indicators across regions to uncover insights into cancer incidence and mortality rates. Through statistical analysis and visualization, correlations between socio-economic factors, healthcare accessibility, and cancer outcomes are identified. </a:t>
+            </a:r>
+            <a:r>
+              <a:rPr lang="en-US" sz="2400" b="1" spc="-20" dirty="0">
+                <a:latin typeface="Times New Roman" panose="02020603050405020304" pitchFamily="18" charset="0"/>
+                <a:cs typeface="Times New Roman" panose="02020603050405020304" pitchFamily="18" charset="0"/>
+              </a:rPr>
+              <a:t>The goal is to deepen understanding of factors influencing cancer prevalence and mortality, informing healthcare policies and interventions. </a:t>
+            </a:r>
+            <a:r>
+              <a:rPr lang="en-US" sz="2400" b="0" spc="-20" dirty="0">
+                <a:latin typeface="Times New Roman" panose="02020603050405020304" pitchFamily="18" charset="0"/>
+                <a:cs typeface="Times New Roman" panose="02020603050405020304" pitchFamily="18" charset="0"/>
+              </a:rPr>
+              <a:t>Ultimately, the project contributes to combating cancer and improving public health outcomes.</a:t>
             </a:r>
             <a:endParaRPr lang="en-IN" sz="2400" dirty="0"/>
           </a:p>
@@ -7466,7 +7450,7 @@
         </p:nvSpPr>
         <p:spPr bwMode="auto">
           <a:xfrm>
-            <a:off x="533401" y="1706315"/>
+            <a:off x="739775" y="1788616"/>
             <a:ext cx="7848599" cy="4154984"/>
           </a:xfrm>
           <a:prstGeom prst="rect">
@@ -7543,7 +7527,133 @@
                 <a:latin typeface="Times New Roman" panose="02020603050405020304" pitchFamily="18" charset="0"/>
                 <a:cs typeface="Times New Roman" panose="02020603050405020304" pitchFamily="18" charset="0"/>
               </a:rPr>
-              <a:t>This report's end users span various healthcare stakeholders. Medical professionals like physicians and nurses can utilize the insights for informed clinical decisions and tailored patient care. Public health officials and policymakers can employ the findings to craft evidence-based interventions and policies, enhancing population health outcomes. Healthcare administrators benefit from optimized resource allocation, fostering more efficient healthcare delivery. Ultimately, patients and their families benefit from improved public health campaigns, informed treatment options, and enhanced healthcare services resulting from the analysis.</a:t>
+              <a:t>This report's end users span various healthcare stakeholders. </a:t>
+            </a:r>
+            <a:r>
+              <a:rPr kumimoji="0" lang="en-US" altLang="en-US" sz="2400" b="1" i="0" u="none" strike="noStrike" cap="none" normalizeH="0" baseline="0" dirty="0">
+                <a:ln>
+                  <a:noFill/>
+                </a:ln>
+                <a:solidFill>
+                  <a:schemeClr val="tx1"/>
+                </a:solidFill>
+                <a:effectLst/>
+                <a:latin typeface="Times New Roman" panose="02020603050405020304" pitchFamily="18" charset="0"/>
+                <a:cs typeface="Times New Roman" panose="02020603050405020304" pitchFamily="18" charset="0"/>
+              </a:rPr>
+              <a:t>Medical professionals like physicians and nurses </a:t>
+            </a:r>
+            <a:r>
+              <a:rPr kumimoji="0" lang="en-US" altLang="en-US" sz="2400" b="0" i="0" u="none" strike="noStrike" cap="none" normalizeH="0" baseline="0" dirty="0">
+                <a:ln>
+                  <a:noFill/>
+                </a:ln>
+                <a:solidFill>
+                  <a:schemeClr val="tx1"/>
+                </a:solidFill>
+                <a:effectLst/>
+                <a:latin typeface="Times New Roman" panose="02020603050405020304" pitchFamily="18" charset="0"/>
+                <a:cs typeface="Times New Roman" panose="02020603050405020304" pitchFamily="18" charset="0"/>
+              </a:rPr>
+              <a:t>can utilize the insights for informed clinical decisions and tailored patient care. </a:t>
+            </a:r>
+            <a:r>
+              <a:rPr kumimoji="0" lang="en-US" altLang="en-US" sz="2400" b="1" i="0" u="none" strike="noStrike" cap="none" normalizeH="0" baseline="0" dirty="0">
+                <a:ln>
+                  <a:noFill/>
+                </a:ln>
+                <a:solidFill>
+                  <a:schemeClr val="tx1"/>
+                </a:solidFill>
+                <a:effectLst/>
+                <a:latin typeface="Times New Roman" panose="02020603050405020304" pitchFamily="18" charset="0"/>
+                <a:cs typeface="Times New Roman" panose="02020603050405020304" pitchFamily="18" charset="0"/>
+              </a:rPr>
+              <a:t>Public health officials and policymakers </a:t>
+            </a:r>
+            <a:r>
+              <a:rPr kumimoji="0" lang="en-US" altLang="en-US" sz="2400" b="0" i="0" u="none" strike="noStrike" cap="none" normalizeH="0" baseline="0" dirty="0">
+                <a:ln>
+                  <a:noFill/>
+                </a:ln>
+                <a:solidFill>
+                  <a:schemeClr val="tx1"/>
+                </a:solidFill>
+                <a:effectLst/>
+                <a:latin typeface="Times New Roman" panose="02020603050405020304" pitchFamily="18" charset="0"/>
+                <a:cs typeface="Times New Roman" panose="02020603050405020304" pitchFamily="18" charset="0"/>
+              </a:rPr>
+              <a:t>can employ the findings to craft evidence-based interventions and policies, enhancing population health outcomes. </a:t>
+            </a:r>
+            <a:r>
+              <a:rPr kumimoji="0" lang="en-US" altLang="en-US" sz="2400" b="1" i="0" u="none" strike="noStrike" cap="none" normalizeH="0" baseline="0" dirty="0">
+                <a:ln>
+                  <a:noFill/>
+                </a:ln>
+                <a:solidFill>
+                  <a:schemeClr val="tx1"/>
+                </a:solidFill>
+                <a:effectLst/>
+                <a:latin typeface="Times New Roman" panose="02020603050405020304" pitchFamily="18" charset="0"/>
+                <a:cs typeface="Times New Roman" panose="02020603050405020304" pitchFamily="18" charset="0"/>
+              </a:rPr>
+              <a:t>Healthcare administrators </a:t>
+            </a:r>
+            <a:r>
+              <a:rPr kumimoji="0" lang="en-US" altLang="en-US" sz="2400" b="0" i="0" u="none" strike="noStrike" cap="none" normalizeH="0" baseline="0" dirty="0">
+                <a:ln>
+                  <a:noFill/>
+                </a:ln>
+                <a:solidFill>
+                  <a:schemeClr val="tx1"/>
+                </a:solidFill>
+                <a:effectLst/>
+                <a:latin typeface="Times New Roman" panose="02020603050405020304" pitchFamily="18" charset="0"/>
+                <a:cs typeface="Times New Roman" panose="02020603050405020304" pitchFamily="18" charset="0"/>
+              </a:rPr>
+              <a:t>benefit from optimized resource allocation, fostering more efficient healthcare delivery. Ultimately, </a:t>
+            </a:r>
+            <a:r>
+              <a:rPr kumimoji="0" lang="en-US" altLang="en-US" sz="2400" b="1" i="0" u="none" strike="noStrike" cap="none" normalizeH="0" baseline="0" dirty="0">
+                <a:ln>
+                  <a:noFill/>
+                </a:ln>
+                <a:solidFill>
+                  <a:schemeClr val="tx1"/>
+                </a:solidFill>
+                <a:effectLst/>
+                <a:latin typeface="Times New Roman" panose="02020603050405020304" pitchFamily="18" charset="0"/>
+                <a:cs typeface="Times New Roman" panose="02020603050405020304" pitchFamily="18" charset="0"/>
+              </a:rPr>
+              <a:t>patients and their families </a:t>
+            </a:r>
+            <a:r>
+              <a:rPr kumimoji="0" lang="en-US" altLang="en-US" sz="2400" b="0" i="0" u="none" strike="noStrike" cap="none" normalizeH="0" baseline="0" dirty="0">
+                <a:ln>
+                  <a:noFill/>
+                </a:ln>
+                <a:solidFill>
+                  <a:schemeClr val="tx1"/>
+                </a:solidFill>
+                <a:effectLst/>
+                <a:latin typeface="Times New Roman" panose="02020603050405020304" pitchFamily="18" charset="0"/>
+                <a:cs typeface="Times New Roman" panose="02020603050405020304" pitchFamily="18" charset="0"/>
+              </a:rPr>
+              <a:t>benefit from improved </a:t>
+            </a:r>
+            <a:r>
+              <a:rPr kumimoji="0" lang="en-US" altLang="en-US" sz="2400" b="1" i="0" u="none" strike="noStrike" cap="none" normalizeH="0" baseline="0" dirty="0">
+                <a:ln>
+                  <a:noFill/>
+                </a:ln>
+                <a:solidFill>
+                  <a:schemeClr val="tx1"/>
+                </a:solidFill>
+                <a:effectLst/>
+                <a:latin typeface="Times New Roman" panose="02020603050405020304" pitchFamily="18" charset="0"/>
+                <a:cs typeface="Times New Roman" panose="02020603050405020304" pitchFamily="18" charset="0"/>
+              </a:rPr>
+              <a:t>public health campaigns, informed treatment options, and enhanced healthcare services resulting from the analysis.</a:t>
             </a:r>
           </a:p>
         </p:txBody>
@@ -7757,7 +7867,7 @@
         </p:nvSpPr>
         <p:spPr>
           <a:xfrm>
-            <a:off x="558165" y="857885"/>
+            <a:off x="533400" y="636634"/>
             <a:ext cx="9763125" cy="575310"/>
           </a:xfrm>
           <a:prstGeom prst="rect">
@@ -8178,8 +8288,8 @@
         </p:nvSpPr>
         <p:spPr>
           <a:xfrm>
-            <a:off x="3048000" y="1905000"/>
-            <a:ext cx="6248400" cy="4154984"/>
+            <a:off x="2381250" y="1311009"/>
+            <a:ext cx="7296150" cy="4401205"/>
           </a:xfrm>
           <a:prstGeom prst="rect">
             <a:avLst/>
@@ -8194,13 +8304,24 @@
           <a:p>
             <a:pPr algn="just"/>
             <a:r>
-              <a:rPr lang="en-US" sz="2200" dirty="0">
-                <a:latin typeface="Times New Roman" panose="02020603050405020304" pitchFamily="18" charset="0"/>
-                <a:cs typeface="Times New Roman" panose="02020603050405020304" pitchFamily="18" charset="0"/>
-              </a:rPr>
-              <a:t>The proposed solution automates patient record classification using machine learning, streamlining healthcare workflows by leveraging clinical notes, diagnostic codes, and demographics. This accelerates diagnosis and treatment planning, improving patient outcomes and healthcare delivery efficiency. Furthermore, it enables extensive epidemiological studies, revealing insights into disease trends and healthcare disparities. Ultimately, it empowers healthcare providers, researchers, and administrators with actionable insights to enhance patient care, resource allocation, and public health initiatives.</a:t>
-            </a:r>
-            <a:endParaRPr lang="en-IN" sz="2200" dirty="0"/>
+              <a:rPr lang="en-US" sz="2000" dirty="0"/>
+              <a:t>The proposed solution leverages advanced machine learning techniques, specifically Convolutional Neural Networks (CNN), Artificial Neural Networks (ANN), and Recurrent Neural Networks (RNN), to automate the classification of patient records. By analyzing a diverse range of data including clinical notes, diagnostic codes, and demographics, our models can accurately categorize patients into different groups based on their medical history, symptoms, and prognosis. Furthermore, it enables extensive epidemiological studies, revealing insights into disease trends and healthcare disparities. Ultimately, it empowers healthcare providers, researchers, and administrators with actionable insights to enhance patient care, resource allocation, and public health initiatives.</a:t>
+            </a:r>
+          </a:p>
+          <a:p>
+            <a:pPr algn="just"/>
+            <a:r>
+              <a:rPr lang="en-US" sz="2000" dirty="0"/>
+              <a:t>alter this for only solution and Value </a:t>
+            </a:r>
+            <a:r>
+              <a:rPr lang="en-US" sz="2000" dirty="0" err="1"/>
+              <a:t>propostion</a:t>
+            </a:r>
+            <a:r>
+              <a:rPr lang="en-US" sz="2000" dirty="0"/>
+              <a:t> also use CNN,ANN and RNN </a:t>
+            </a:r>
           </a:p>
         </p:txBody>
       </p:sp>
@@ -9258,8 +9379,8 @@
         </p:nvSpPr>
         <p:spPr>
           <a:xfrm>
-            <a:off x="685800" y="2133600"/>
-            <a:ext cx="8001000" cy="3416320"/>
+            <a:off x="685800" y="1224272"/>
+            <a:ext cx="8001000" cy="5078313"/>
           </a:xfrm>
           <a:prstGeom prst="rect">
             <a:avLst/>
@@ -9274,10 +9395,36 @@
           <a:p>
             <a:pPr algn="just"/>
             <a:r>
-              <a:rPr lang="en-US" sz="2400" dirty="0"/>
-              <a:t>The Modelling of this project involved exploring various health and demographic indicators' correlations with cancer incidence and mortality rates. Through extensive visualization using diverse graphs, including histograms and pie charts, alongside basic exploratory analysis, insights were gained into factors influencing cancer outcomes. The project aimed to deepen understanding of these correlations, contributing to informed decision-making for healthcare policies and interventions in combating cancer and improving public health outcomes.</a:t>
-            </a:r>
-            <a:endParaRPr lang="en-IN" sz="2400" dirty="0"/>
+              <a:rPr lang="en-US" sz="2200" b="1" dirty="0"/>
+              <a:t>Convolutional Neural Networks (CNN): </a:t>
+            </a:r>
+            <a:r>
+              <a:rPr lang="en-US" sz="2000" dirty="0"/>
+              <a:t>CNN models are adept at processing structured and unstructured data, making them ideal for extracting features from clinical notes and medical images. In proposed solution, CNNs are utilized to analyze textual information from patient records, identifying key patterns and associations that contribute to disease classification.</a:t>
+            </a:r>
+          </a:p>
+          <a:p>
+            <a:pPr algn="just"/>
+            <a:r>
+              <a:rPr lang="en-US" sz="2200" b="1" dirty="0"/>
+              <a:t>Artificial Neural Networks (ANN): </a:t>
+            </a:r>
+            <a:r>
+              <a:rPr lang="en-US" sz="2000" dirty="0"/>
+              <a:t>ANN models are versatile and capable of handling various types of data, including numerical and categorical variables. In our solution, ANN models are employed to analyze demographic and diagnostic code data, providing valuable insights into patient demographics, comorbidities, and disease progression.</a:t>
+            </a:r>
+          </a:p>
+          <a:p>
+            <a:pPr algn="just"/>
+            <a:r>
+              <a:rPr lang="en-US" sz="2200" b="1" dirty="0"/>
+              <a:t>Recurrent Neural Networks (RNN): </a:t>
+            </a:r>
+            <a:r>
+              <a:rPr lang="en-US" sz="2000" dirty="0"/>
+              <a:t>RNN models are designed to handle sequential data, making them suitable for analyzing time-series data such as longitudinal patient records. In proposed solution, RNNs are utilized to analyze temporal patterns in patient data, enabling accurate prediction of disease progression and treatment outcomes over time.</a:t>
+            </a:r>
+            <a:endParaRPr lang="en-IN" sz="2000" dirty="0"/>
           </a:p>
         </p:txBody>
       </p:sp>
